--- a/Kruskaluv_algoritmus_a_Union-find/Kruskalův_algoritmus.pptx
+++ b/Kruskaluv_algoritmus_a_Union-find/Kruskalův_algoritmus.pptx
@@ -9,6 +9,7 @@
     <p:sldId id="257" r:id="rId3"/>
     <p:sldId id="259" r:id="rId4"/>
     <p:sldId id="258" r:id="rId5"/>
+    <p:sldId id="260" r:id="rId6"/>
   </p:sldIdLst>
   <p:sldSz cx="12192000" cy="6858000"/>
   <p:notesSz cx="6858000" cy="9144000"/>
@@ -107,6 +108,11 @@
       </a:defRPr>
     </a:lvl9pPr>
   </p:defaultTextStyle>
+  <p:extLst>
+    <p:ext uri="{EFAFB233-063F-42B5-8137-9DF3F51BA10A}">
+      <p15:sldGuideLst xmlns:p15="http://schemas.microsoft.com/office/powerpoint/2012/main"/>
+    </p:ext>
+  </p:extLst>
 </p:presentation>
 </file>
 
@@ -3877,13 +3883,13 @@
   <p:clrMapOvr>
     <a:masterClrMapping/>
   </p:clrMapOvr>
-  <mc:AlternateContent xmlns:mc="http://schemas.openxmlformats.org/markup-compatibility/2006">
-    <mc:Choice xmlns:p159="http://schemas.microsoft.com/office/powerpoint/2015/09/main" Requires="p159">
+  <mc:AlternateContent xmlns:mc="http://schemas.openxmlformats.org/markup-compatibility/2006" xmlns:p159="http://schemas.microsoft.com/office/powerpoint/2015/09/main">
+    <mc:Choice Requires="p159">
       <p:transition xmlns:p14="http://schemas.microsoft.com/office/powerpoint/2010/main" spd="slow" p14:dur="2000">
         <p159:morph option="byObject"/>
       </p:transition>
     </mc:Choice>
-    <mc:Fallback>
+    <mc:Fallback xmlns="">
       <p:transition spd="slow">
         <p:fade/>
       </p:transition>
@@ -4045,13 +4051,13 @@
   <p:clrMapOvr>
     <a:masterClrMapping/>
   </p:clrMapOvr>
-  <mc:AlternateContent xmlns:mc="http://schemas.openxmlformats.org/markup-compatibility/2006">
-    <mc:Choice xmlns:p159="http://schemas.microsoft.com/office/powerpoint/2015/09/main" Requires="p159">
+  <mc:AlternateContent xmlns:mc="http://schemas.openxmlformats.org/markup-compatibility/2006" xmlns:p159="http://schemas.microsoft.com/office/powerpoint/2015/09/main">
+    <mc:Choice Requires="p159">
       <p:transition xmlns:p14="http://schemas.microsoft.com/office/powerpoint/2010/main" spd="slow" p14:dur="2000">
         <p159:morph option="byObject"/>
       </p:transition>
     </mc:Choice>
-    <mc:Fallback>
+    <mc:Fallback xmlns="">
       <p:transition spd="slow">
         <p:fade/>
       </p:transition>
@@ -4644,13 +4650,13 @@
   <p:clrMapOvr>
     <a:masterClrMapping/>
   </p:clrMapOvr>
-  <mc:AlternateContent xmlns:mc="http://schemas.openxmlformats.org/markup-compatibility/2006">
-    <mc:Choice xmlns:p159="http://schemas.microsoft.com/office/powerpoint/2015/09/main" Requires="p159">
+  <mc:AlternateContent xmlns:mc="http://schemas.openxmlformats.org/markup-compatibility/2006" xmlns:p159="http://schemas.microsoft.com/office/powerpoint/2015/09/main">
+    <mc:Choice Requires="p159">
       <p:transition xmlns:p14="http://schemas.microsoft.com/office/powerpoint/2010/main" spd="slow" p14:dur="2000">
         <p159:morph option="byObject"/>
       </p:transition>
     </mc:Choice>
-    <mc:Fallback>
+    <mc:Fallback xmlns="">
       <p:transition spd="slow">
         <p:fade/>
       </p:transition>
@@ -7424,13 +7430,13 @@
   <p:clrMapOvr>
     <a:masterClrMapping/>
   </p:clrMapOvr>
-  <mc:AlternateContent xmlns:mc="http://schemas.openxmlformats.org/markup-compatibility/2006">
-    <mc:Choice xmlns:p159="http://schemas.microsoft.com/office/powerpoint/2015/09/main" Requires="p159">
+  <mc:AlternateContent xmlns:mc="http://schemas.openxmlformats.org/markup-compatibility/2006" xmlns:p159="http://schemas.microsoft.com/office/powerpoint/2015/09/main">
+    <mc:Choice Requires="p159">
       <p:transition xmlns:p14="http://schemas.microsoft.com/office/powerpoint/2010/main" spd="slow" p14:dur="2000">
         <p159:morph option="byObject"/>
       </p:transition>
     </mc:Choice>
-    <mc:Fallback>
+    <mc:Fallback xmlns="">
       <p:transition spd="slow">
         <p:fade/>
       </p:transition>
@@ -8099,6 +8105,296 @@
 </p:sld>
 </file>
 
+<file path=ppt/slides/slide5.xml><?xml version="1.0" encoding="utf-8"?>
+<p:sld xmlns:a="http://schemas.openxmlformats.org/drawingml/2006/main" xmlns:r="http://schemas.openxmlformats.org/officeDocument/2006/relationships" xmlns:p="http://schemas.openxmlformats.org/presentationml/2006/main">
+  <p:cSld>
+    <p:spTree>
+      <p:nvGrpSpPr>
+        <p:cNvPr id="1" name=""/>
+        <p:cNvGrpSpPr/>
+        <p:nvPr/>
+      </p:nvGrpSpPr>
+      <p:grpSpPr>
+        <a:xfrm>
+          <a:off x="0" y="0"/>
+          <a:ext cx="0" cy="0"/>
+          <a:chOff x="0" y="0"/>
+          <a:chExt cx="0" cy="0"/>
+        </a:xfrm>
+      </p:grpSpPr>
+      <p:sp>
+        <p:nvSpPr>
+          <p:cNvPr id="2" name="Nadpis 1">
+            <a:extLst>
+              <a:ext uri="{FF2B5EF4-FFF2-40B4-BE49-F238E27FC236}">
+                <a16:creationId xmlns:a16="http://schemas.microsoft.com/office/drawing/2014/main" id="{871961C8-2FA9-4ACC-1EA7-E3E21CDC263F}"/>
+              </a:ext>
+            </a:extLst>
+          </p:cNvPr>
+          <p:cNvSpPr>
+            <a:spLocks noGrp="1"/>
+          </p:cNvSpPr>
+          <p:nvPr>
+            <p:ph type="title"/>
+          </p:nvPr>
+        </p:nvSpPr>
+        <p:spPr/>
+        <p:txBody>
+          <a:bodyPr/>
+          <a:lstStyle/>
+          <a:p>
+            <a:r>
+              <a:rPr lang="cs-CZ" dirty="0"/>
+              <a:t>Časová složitost</a:t>
+            </a:r>
+          </a:p>
+        </p:txBody>
+      </p:sp>
+      <p:sp>
+        <p:nvSpPr>
+          <p:cNvPr id="3" name="Zástupný obsah 2">
+            <a:extLst>
+              <a:ext uri="{FF2B5EF4-FFF2-40B4-BE49-F238E27FC236}">
+                <a16:creationId xmlns:a16="http://schemas.microsoft.com/office/drawing/2014/main" id="{22D9C583-E9DC-D849-3997-60B53B069E29}"/>
+              </a:ext>
+            </a:extLst>
+          </p:cNvPr>
+          <p:cNvSpPr>
+            <a:spLocks noGrp="1"/>
+          </p:cNvSpPr>
+          <p:nvPr>
+            <p:ph idx="1"/>
+          </p:nvPr>
+        </p:nvSpPr>
+        <p:spPr/>
+        <p:txBody>
+          <a:bodyPr/>
+          <a:lstStyle/>
+          <a:p>
+            <a:pPr marL="0" indent="0">
+              <a:buNone/>
+            </a:pPr>
+            <a:r>
+              <a:rPr lang="cs-CZ" dirty="0">
+                <a:solidFill>
+                  <a:schemeClr val="tx1"/>
+                </a:solidFill>
+              </a:rPr>
+              <a:t>Nechť m …… počet hran, n …… počet vrcholů</a:t>
+            </a:r>
+          </a:p>
+          <a:p>
+            <a:pPr lvl="1">
+              <a:buFont typeface="Arial" panose="020B0604020202020204" pitchFamily="34" charset="0"/>
+              <a:buChar char="•"/>
+            </a:pPr>
+            <a:r>
+              <a:rPr lang="cs-CZ" dirty="0">
+                <a:solidFill>
+                  <a:schemeClr val="tx1"/>
+                </a:solidFill>
+              </a:rPr>
+              <a:t>Řazení hran zabere O(m </a:t>
+            </a:r>
+            <a:r>
+              <a:rPr lang="cs-CZ" dirty="0" err="1">
+                <a:solidFill>
+                  <a:schemeClr val="tx1"/>
+                </a:solidFill>
+              </a:rPr>
+              <a:t>logm</a:t>
+            </a:r>
+            <a:r>
+              <a:rPr lang="cs-CZ" dirty="0">
+                <a:solidFill>
+                  <a:schemeClr val="tx1"/>
+                </a:solidFill>
+              </a:rPr>
+              <a:t>)</a:t>
+            </a:r>
+          </a:p>
+          <a:p>
+            <a:pPr lvl="1">
+              <a:buFont typeface="Arial" panose="020B0604020202020204" pitchFamily="34" charset="0"/>
+              <a:buChar char="•"/>
+            </a:pPr>
+            <a:r>
+              <a:rPr lang="cs-CZ" dirty="0">
+                <a:solidFill>
+                  <a:schemeClr val="tx1"/>
+                </a:solidFill>
+              </a:rPr>
+              <a:t>m-krát provedu FIND</a:t>
+            </a:r>
+          </a:p>
+          <a:p>
+            <a:pPr lvl="1">
+              <a:buFont typeface="Arial" panose="020B0604020202020204" pitchFamily="34" charset="0"/>
+              <a:buChar char="•"/>
+            </a:pPr>
+            <a:r>
+              <a:rPr lang="cs-CZ" dirty="0">
+                <a:solidFill>
+                  <a:schemeClr val="tx1"/>
+                </a:solidFill>
+              </a:rPr>
+              <a:t>n-krát provedu UNION</a:t>
+            </a:r>
+          </a:p>
+          <a:p>
+            <a:pPr lvl="1">
+              <a:buFont typeface="Arial" panose="020B0604020202020204" pitchFamily="34" charset="0"/>
+              <a:buChar char="•"/>
+            </a:pPr>
+            <a:r>
+              <a:rPr lang="cs-CZ" dirty="0">
+                <a:solidFill>
+                  <a:schemeClr val="tx1"/>
+                </a:solidFill>
+              </a:rPr>
+              <a:t>FIND i UNION mají složitost O(</a:t>
+            </a:r>
+            <a:r>
+              <a:rPr lang="cs-CZ" dirty="0" err="1">
+                <a:solidFill>
+                  <a:schemeClr val="tx1"/>
+                </a:solidFill>
+              </a:rPr>
+              <a:t>logn</a:t>
+            </a:r>
+            <a:r>
+              <a:rPr lang="cs-CZ" dirty="0">
+                <a:solidFill>
+                  <a:schemeClr val="tx1"/>
+                </a:solidFill>
+              </a:rPr>
+              <a:t>)</a:t>
+            </a:r>
+          </a:p>
+          <a:p>
+            <a:pPr lvl="1">
+              <a:buFont typeface="Arial" panose="020B0604020202020204" pitchFamily="34" charset="0"/>
+              <a:buChar char="•"/>
+            </a:pPr>
+            <a:r>
+              <a:rPr lang="cs-CZ" dirty="0">
+                <a:solidFill>
+                  <a:schemeClr val="tx1"/>
+                </a:solidFill>
+              </a:rPr>
+              <a:t>Celkem tedy O(m </a:t>
+            </a:r>
+            <a:r>
+              <a:rPr lang="cs-CZ" dirty="0" err="1">
+                <a:solidFill>
+                  <a:schemeClr val="tx1"/>
+                </a:solidFill>
+              </a:rPr>
+              <a:t>logm</a:t>
+            </a:r>
+            <a:r>
+              <a:rPr lang="cs-CZ" dirty="0">
+                <a:solidFill>
+                  <a:schemeClr val="tx1"/>
+                </a:solidFill>
+              </a:rPr>
+              <a:t> + m </a:t>
+            </a:r>
+            <a:r>
+              <a:rPr lang="cs-CZ" dirty="0" err="1">
+                <a:solidFill>
+                  <a:schemeClr val="tx1"/>
+                </a:solidFill>
+              </a:rPr>
+              <a:t>logn</a:t>
+            </a:r>
+            <a:r>
+              <a:rPr lang="cs-CZ" dirty="0">
+                <a:solidFill>
+                  <a:schemeClr val="tx1"/>
+                </a:solidFill>
+              </a:rPr>
+              <a:t> + n </a:t>
+            </a:r>
+            <a:r>
+              <a:rPr lang="cs-CZ" dirty="0" err="1">
+                <a:solidFill>
+                  <a:schemeClr val="tx1"/>
+                </a:solidFill>
+              </a:rPr>
+              <a:t>logn</a:t>
+            </a:r>
+            <a:r>
+              <a:rPr lang="cs-CZ" dirty="0">
+                <a:solidFill>
+                  <a:schemeClr val="tx1"/>
+                </a:solidFill>
+              </a:rPr>
+              <a:t>) </a:t>
+            </a:r>
+            <a:r>
+              <a:rPr lang="en-US" dirty="0">
+                <a:solidFill>
+                  <a:schemeClr val="tx1"/>
+                </a:solidFill>
+                <a:latin typeface="Sagona Book" panose="02020503050505020204" pitchFamily="18" charset="0"/>
+              </a:rPr>
+              <a:t>~</a:t>
+            </a:r>
+            <a:r>
+              <a:rPr lang="cs-CZ" dirty="0">
+                <a:solidFill>
+                  <a:schemeClr val="tx1"/>
+                </a:solidFill>
+                <a:latin typeface="Sagona Book" panose="02020503050505020204" pitchFamily="18" charset="0"/>
+              </a:rPr>
+              <a:t> </a:t>
+            </a:r>
+            <a:r>
+              <a:rPr lang="cs-CZ" dirty="0">
+                <a:solidFill>
+                  <a:schemeClr val="tx1"/>
+                </a:solidFill>
+              </a:rPr>
+              <a:t>O(m </a:t>
+            </a:r>
+            <a:r>
+              <a:rPr lang="cs-CZ" dirty="0" err="1">
+                <a:solidFill>
+                  <a:schemeClr val="tx1"/>
+                </a:solidFill>
+              </a:rPr>
+              <a:t>logm</a:t>
+            </a:r>
+            <a:r>
+              <a:rPr lang="cs-CZ">
+                <a:solidFill>
+                  <a:schemeClr val="tx1"/>
+                </a:solidFill>
+              </a:rPr>
+              <a:t>)</a:t>
+            </a:r>
+            <a:endParaRPr lang="cs-CZ" dirty="0">
+              <a:solidFill>
+                <a:schemeClr val="tx1"/>
+              </a:solidFill>
+            </a:endParaRPr>
+          </a:p>
+        </p:txBody>
+      </p:sp>
+    </p:spTree>
+    <p:extLst>
+      <p:ext uri="{BB962C8B-B14F-4D97-AF65-F5344CB8AC3E}">
+        <p14:creationId xmlns:p14="http://schemas.microsoft.com/office/powerpoint/2010/main" val="2407195147"/>
+      </p:ext>
+    </p:extLst>
+  </p:cSld>
+  <p:clrMapOvr>
+    <a:masterClrMapping/>
+  </p:clrMapOvr>
+</p:sld>
+</file>
+
 <file path=ppt/theme/theme1.xml><?xml version="1.0" encoding="utf-8"?>
 <a:theme xmlns:a="http://schemas.openxmlformats.org/drawingml/2006/main" name="Retrospektiva">
   <a:themeElements>
